--- a/Review Analysis/Task 1 Analysis.pptx
+++ b/Review Analysis/Task 1 Analysis.pptx
@@ -105,6 +105,11 @@
       </a:defRPr>
     </a:lvl9pPr>
   </p:defaultTextStyle>
+  <p:extLst>
+    <p:ext uri="{EFAFB233-063F-42B5-8137-9DF3F51BA10A}">
+      <p15:sldGuideLst xmlns:p15="http://schemas.microsoft.com/office/powerpoint/2012/main"/>
+    </p:ext>
+  </p:extLst>
 </p:presentation>
 </file>
 
@@ -3404,7 +3409,7 @@
         </p:nvSpPr>
         <p:spPr>
           <a:xfrm>
-            <a:off x="3523130" y="5974994"/>
+            <a:off x="3402105" y="5974994"/>
             <a:ext cx="5387789" cy="461665"/>
           </a:xfrm>
           <a:prstGeom prst="rect">
@@ -3447,8 +3452,8 @@
         </p:nvSpPr>
         <p:spPr>
           <a:xfrm>
-            <a:off x="4796118" y="6436659"/>
-            <a:ext cx="2841812" cy="338554"/>
+            <a:off x="3523130" y="82787"/>
+            <a:ext cx="4661647" cy="338554"/>
           </a:xfrm>
           <a:prstGeom prst="rect">
             <a:avLst/>
@@ -3467,7 +3472,7 @@
                 <a:latin typeface="Cambria" panose="02040503050406030204" pitchFamily="18" charset="0"/>
                 <a:ea typeface="Cambria" panose="02040503050406030204" pitchFamily="18" charset="0"/>
               </a:rPr>
-              <a:t>For Forage Virtual Internship</a:t>
+              <a:t>Solely for the purpose of Forage Work Experience</a:t>
             </a:r>
             <a:endParaRPr lang="en-IN" sz="1600" dirty="0">
               <a:latin typeface="Cambria" panose="02040503050406030204" pitchFamily="18" charset="0"/>
@@ -3520,7 +3525,7 @@
         </p:nvSpPr>
         <p:spPr>
           <a:xfrm>
-            <a:off x="0" y="0"/>
+            <a:off x="0" y="323747"/>
             <a:ext cx="12192000" cy="830997"/>
           </a:xfrm>
           <a:prstGeom prst="rect">
@@ -3563,7 +3568,7 @@
         </p:nvSpPr>
         <p:spPr>
           <a:xfrm>
-            <a:off x="197224" y="973608"/>
+            <a:off x="197224" y="1297355"/>
             <a:ext cx="6741459" cy="1477328"/>
           </a:xfrm>
           <a:prstGeom prst="rect">
@@ -3634,7 +3639,7 @@
         </p:nvSpPr>
         <p:spPr>
           <a:xfrm>
-            <a:off x="197224" y="2905351"/>
+            <a:off x="197224" y="3229098"/>
             <a:ext cx="2563906" cy="369332"/>
           </a:xfrm>
           <a:prstGeom prst="rect">
@@ -3691,7 +3696,7 @@
         </p:blipFill>
         <p:spPr>
           <a:xfrm>
-            <a:off x="7016244" y="973608"/>
+            <a:off x="7016244" y="1297355"/>
             <a:ext cx="4584085" cy="3913599"/>
           </a:xfrm>
           <a:prstGeom prst="rect">
@@ -3726,7 +3731,7 @@
         </p:blipFill>
         <p:spPr>
           <a:xfrm>
-            <a:off x="300619" y="3274683"/>
+            <a:off x="300619" y="3598430"/>
             <a:ext cx="6638063" cy="3286464"/>
           </a:xfrm>
           <a:prstGeom prst="rect">
@@ -3734,6 +3739,49 @@
           </a:prstGeom>
         </p:spPr>
       </p:pic>
+      <p:sp>
+        <p:nvSpPr>
+          <p:cNvPr id="2" name="TextBox 1">
+            <a:extLst>
+              <a:ext uri="{FF2B5EF4-FFF2-40B4-BE49-F238E27FC236}">
+                <a16:creationId xmlns:a16="http://schemas.microsoft.com/office/drawing/2014/main" id="{23D461D0-242E-3CE4-7E85-C6EC7C530A20}"/>
+              </a:ext>
+            </a:extLst>
+          </p:cNvPr>
+          <p:cNvSpPr txBox="1"/>
+          <p:nvPr/>
+        </p:nvSpPr>
+        <p:spPr>
+          <a:xfrm>
+            <a:off x="3523130" y="82787"/>
+            <a:ext cx="4661647" cy="338554"/>
+          </a:xfrm>
+          <a:prstGeom prst="rect">
+            <a:avLst/>
+          </a:prstGeom>
+          <a:noFill/>
+        </p:spPr>
+        <p:txBody>
+          <a:bodyPr wrap="square" rtlCol="0">
+            <a:spAutoFit/>
+          </a:bodyPr>
+          <a:lstStyle/>
+          <a:p>
+            <a:pPr algn="ctr"/>
+            <a:r>
+              <a:rPr lang="en-US" sz="1600" dirty="0">
+                <a:latin typeface="Cambria" panose="02040503050406030204" pitchFamily="18" charset="0"/>
+                <a:ea typeface="Cambria" panose="02040503050406030204" pitchFamily="18" charset="0"/>
+              </a:rPr>
+              <a:t>Solely for the purpose of Forage Work Experience</a:t>
+            </a:r>
+            <a:endParaRPr lang="en-IN" sz="1600" dirty="0">
+              <a:latin typeface="Cambria" panose="02040503050406030204" pitchFamily="18" charset="0"/>
+              <a:ea typeface="Cambria" panose="02040503050406030204" pitchFamily="18" charset="0"/>
+            </a:endParaRPr>
+          </a:p>
+        </p:txBody>
+      </p:sp>
     </p:spTree>
     <p:extLst>
       <p:ext uri="{BB962C8B-B14F-4D97-AF65-F5344CB8AC3E}">
